--- a/FlashCards/ProgrammingCards.pptx
+++ b/FlashCards/ProgrammingCards.pptx
@@ -11,8 +11,9 @@
     <p:sldId id="258" r:id="rId5"/>
     <p:sldId id="259" r:id="rId6"/>
     <p:sldId id="262" r:id="rId7"/>
-    <p:sldId id="263" r:id="rId8"/>
-    <p:sldId id="261" r:id="rId9"/>
+    <p:sldId id="264" r:id="rId8"/>
+    <p:sldId id="263" r:id="rId9"/>
+    <p:sldId id="261" r:id="rId10"/>
   </p:sldIdLst>
   <p:sldSz cx="4572000" cy="6400800"/>
   <p:notesSz cx="6858000" cy="9144000"/>
@@ -296,7 +297,7 @@
             <a:fld id="{3C378BB9-A97B-4E97-A269-F4FAEECDFE70}" type="datetimeFigureOut">
               <a:rPr lang="en-US" smtClean="0"/>
               <a:pPr/>
-              <a:t>3/16/2015</a:t>
+              <a:t>3/21/2015</a:t>
             </a:fld>
             <a:endParaRPr lang="en-US"/>
           </a:p>
@@ -463,7 +464,7 @@
             <a:fld id="{3C378BB9-A97B-4E97-A269-F4FAEECDFE70}" type="datetimeFigureOut">
               <a:rPr lang="en-US" smtClean="0"/>
               <a:pPr/>
-              <a:t>3/16/2015</a:t>
+              <a:t>3/21/2015</a:t>
             </a:fld>
             <a:endParaRPr lang="en-US"/>
           </a:p>
@@ -640,7 +641,7 @@
             <a:fld id="{3C378BB9-A97B-4E97-A269-F4FAEECDFE70}" type="datetimeFigureOut">
               <a:rPr lang="en-US" smtClean="0"/>
               <a:pPr/>
-              <a:t>3/16/2015</a:t>
+              <a:t>3/21/2015</a:t>
             </a:fld>
             <a:endParaRPr lang="en-US"/>
           </a:p>
@@ -807,7 +808,7 @@
             <a:fld id="{3C378BB9-A97B-4E97-A269-F4FAEECDFE70}" type="datetimeFigureOut">
               <a:rPr lang="en-US" smtClean="0"/>
               <a:pPr/>
-              <a:t>3/16/2015</a:t>
+              <a:t>3/21/2015</a:t>
             </a:fld>
             <a:endParaRPr lang="en-US"/>
           </a:p>
@@ -1050,7 +1051,7 @@
             <a:fld id="{3C378BB9-A97B-4E97-A269-F4FAEECDFE70}" type="datetimeFigureOut">
               <a:rPr lang="en-US" smtClean="0"/>
               <a:pPr/>
-              <a:t>3/16/2015</a:t>
+              <a:t>3/21/2015</a:t>
             </a:fld>
             <a:endParaRPr lang="en-US"/>
           </a:p>
@@ -1335,7 +1336,7 @@
             <a:fld id="{3C378BB9-A97B-4E97-A269-F4FAEECDFE70}" type="datetimeFigureOut">
               <a:rPr lang="en-US" smtClean="0"/>
               <a:pPr/>
-              <a:t>3/16/2015</a:t>
+              <a:t>3/21/2015</a:t>
             </a:fld>
             <a:endParaRPr lang="en-US"/>
           </a:p>
@@ -1754,7 +1755,7 @@
             <a:fld id="{3C378BB9-A97B-4E97-A269-F4FAEECDFE70}" type="datetimeFigureOut">
               <a:rPr lang="en-US" smtClean="0"/>
               <a:pPr/>
-              <a:t>3/16/2015</a:t>
+              <a:t>3/21/2015</a:t>
             </a:fld>
             <a:endParaRPr lang="en-US"/>
           </a:p>
@@ -1869,7 +1870,7 @@
             <a:fld id="{3C378BB9-A97B-4E97-A269-F4FAEECDFE70}" type="datetimeFigureOut">
               <a:rPr lang="en-US" smtClean="0"/>
               <a:pPr/>
-              <a:t>3/16/2015</a:t>
+              <a:t>3/21/2015</a:t>
             </a:fld>
             <a:endParaRPr lang="en-US"/>
           </a:p>
@@ -1961,7 +1962,7 @@
             <a:fld id="{3C378BB9-A97B-4E97-A269-F4FAEECDFE70}" type="datetimeFigureOut">
               <a:rPr lang="en-US" smtClean="0"/>
               <a:pPr/>
-              <a:t>3/16/2015</a:t>
+              <a:t>3/21/2015</a:t>
             </a:fld>
             <a:endParaRPr lang="en-US"/>
           </a:p>
@@ -2235,7 +2236,7 @@
             <a:fld id="{3C378BB9-A97B-4E97-A269-F4FAEECDFE70}" type="datetimeFigureOut">
               <a:rPr lang="en-US" smtClean="0"/>
               <a:pPr/>
-              <a:t>3/16/2015</a:t>
+              <a:t>3/21/2015</a:t>
             </a:fld>
             <a:endParaRPr lang="en-US"/>
           </a:p>
@@ -2485,7 +2486,7 @@
             <a:fld id="{3C378BB9-A97B-4E97-A269-F4FAEECDFE70}" type="datetimeFigureOut">
               <a:rPr lang="en-US" smtClean="0"/>
               <a:pPr/>
-              <a:t>3/16/2015</a:t>
+              <a:t>3/21/2015</a:t>
             </a:fld>
             <a:endParaRPr lang="en-US"/>
           </a:p>
@@ -2695,7 +2696,7 @@
             <a:fld id="{3C378BB9-A97B-4E97-A269-F4FAEECDFE70}" type="datetimeFigureOut">
               <a:rPr lang="en-US" smtClean="0"/>
               <a:pPr/>
-              <a:t>3/16/2015</a:t>
+              <a:t>3/21/2015</a:t>
             </a:fld>
             <a:endParaRPr lang="en-US"/>
           </a:p>
@@ -3066,594 +3067,75 @@
           <a:chExt cx="0" cy="0"/>
         </a:xfrm>
       </p:grpSpPr>
-      <p:sp>
-        <p:nvSpPr>
-          <p:cNvPr id="5" name="TextBox 4"/>
-          <p:cNvSpPr txBox="1"/>
-          <p:nvPr/>
-        </p:nvSpPr>
-        <p:spPr>
-          <a:xfrm>
-            <a:off x="533400" y="4572000"/>
-            <a:ext cx="3581400" cy="755810"/>
-          </a:xfrm>
-          <a:prstGeom prst="rect">
-            <a:avLst/>
-          </a:prstGeom>
-          <a:noFill/>
-        </p:spPr>
-        <p:txBody>
-          <a:bodyPr wrap="square" lIns="62700" tIns="31350" rIns="62700" bIns="31350" rtlCol="0">
-            <a:spAutoFit/>
-          </a:bodyPr>
-          <a:lstStyle/>
-          <a:p>
-            <a:pPr algn="ctr"/>
-            <a:r>
-              <a:rPr lang="en-US" sz="4500" b="1" dirty="0" smtClean="0"/>
-              <a:t>Record</a:t>
-            </a:r>
-            <a:endParaRPr lang="en-US" sz="4500" b="1" dirty="0"/>
-          </a:p>
-        </p:txBody>
-      </p:sp>
-      <p:sp>
-        <p:nvSpPr>
-          <p:cNvPr id="4" name="Oval 3"/>
-          <p:cNvSpPr/>
-          <p:nvPr/>
-        </p:nvSpPr>
-        <p:spPr>
-          <a:xfrm>
-            <a:off x="762000" y="1143000"/>
-            <a:ext cx="3124200" cy="3124200"/>
-          </a:xfrm>
-          <a:prstGeom prst="ellipse">
-            <a:avLst/>
-          </a:prstGeom>
-          <a:solidFill>
-            <a:schemeClr val="bg1"/>
-          </a:solidFill>
-          <a:ln w="76200">
-            <a:solidFill>
-              <a:schemeClr val="bg1">
-                <a:lumMod val="75000"/>
-              </a:schemeClr>
-            </a:solidFill>
-          </a:ln>
-        </p:spPr>
-        <p:style>
-          <a:lnRef idx="2">
-            <a:schemeClr val="accent1">
-              <a:shade val="50000"/>
-            </a:schemeClr>
-          </a:lnRef>
-          <a:fillRef idx="1">
-            <a:schemeClr val="accent1"/>
-          </a:fillRef>
-          <a:effectRef idx="0">
-            <a:schemeClr val="accent1"/>
-          </a:effectRef>
-          <a:fontRef idx="minor">
-            <a:schemeClr val="lt1"/>
-          </a:fontRef>
-        </p:style>
-        <p:txBody>
-          <a:bodyPr rtlCol="0" anchor="ctr"/>
-          <a:lstStyle/>
-          <a:p>
-            <a:pPr algn="ctr"/>
-            <a:endParaRPr lang="en-US"/>
-          </a:p>
-        </p:txBody>
-      </p:sp>
-      <p:sp>
-        <p:nvSpPr>
-          <p:cNvPr id="7" name="Rounded Rectangle 6"/>
-          <p:cNvSpPr/>
-          <p:nvPr/>
-        </p:nvSpPr>
-        <p:spPr>
-          <a:xfrm>
-            <a:off x="1409700" y="1790700"/>
-            <a:ext cx="1828800" cy="1828800"/>
-          </a:xfrm>
-          <a:prstGeom prst="roundRect">
-            <a:avLst/>
-          </a:prstGeom>
-        </p:spPr>
-        <p:style>
-          <a:lnRef idx="2">
-            <a:schemeClr val="accent2">
-              <a:shade val="50000"/>
-            </a:schemeClr>
-          </a:lnRef>
-          <a:fillRef idx="1">
-            <a:schemeClr val="accent2"/>
-          </a:fillRef>
-          <a:effectRef idx="0">
-            <a:schemeClr val="accent2"/>
-          </a:effectRef>
-          <a:fontRef idx="minor">
-            <a:schemeClr val="lt1"/>
-          </a:fontRef>
-        </p:style>
-        <p:txBody>
-          <a:bodyPr rtlCol="0" anchor="ctr"/>
-          <a:lstStyle/>
-          <a:p>
-            <a:pPr algn="ctr"/>
-            <a:endParaRPr lang="en-US"/>
-          </a:p>
-        </p:txBody>
-      </p:sp>
-    </p:spTree>
-  </p:cSld>
-  <p:clrMapOvr>
-    <a:masterClrMapping/>
-  </p:clrMapOvr>
-</p:sld>
-</file>
-
-<file path=ppt/slides/slide2.xml><?xml version="1.0" encoding="utf-8"?>
-<p:sld xmlns:a="http://schemas.openxmlformats.org/drawingml/2006/main" xmlns:r="http://schemas.openxmlformats.org/officeDocument/2006/relationships" xmlns:p="http://schemas.openxmlformats.org/presentationml/2006/main">
-  <p:cSld>
-    <p:spTree>
-      <p:nvGrpSpPr>
-        <p:cNvPr id="1" name=""/>
-        <p:cNvGrpSpPr/>
-        <p:nvPr/>
-      </p:nvGrpSpPr>
-      <p:grpSpPr>
-        <a:xfrm>
-          <a:off x="0" y="0"/>
-          <a:ext cx="0" cy="0"/>
-          <a:chOff x="0" y="0"/>
-          <a:chExt cx="0" cy="0"/>
-        </a:xfrm>
-      </p:grpSpPr>
-      <p:sp>
-        <p:nvSpPr>
-          <p:cNvPr id="4" name="Right Arrow 3"/>
-          <p:cNvSpPr/>
-          <p:nvPr/>
-        </p:nvSpPr>
-        <p:spPr>
-          <a:xfrm rot="16200000">
-            <a:off x="775306" y="1586894"/>
-            <a:ext cx="3124200" cy="2236412"/>
-          </a:xfrm>
-          <a:prstGeom prst="rightArrow">
-            <a:avLst/>
-          </a:prstGeom>
-        </p:spPr>
-        <p:style>
-          <a:lnRef idx="2">
-            <a:schemeClr val="accent1">
-              <a:shade val="50000"/>
-            </a:schemeClr>
-          </a:lnRef>
-          <a:fillRef idx="1">
-            <a:schemeClr val="accent1"/>
-          </a:fillRef>
-          <a:effectRef idx="0">
-            <a:schemeClr val="accent1"/>
-          </a:effectRef>
-          <a:fontRef idx="minor">
-            <a:schemeClr val="lt1"/>
-          </a:fontRef>
-        </p:style>
-        <p:txBody>
-          <a:bodyPr lIns="62700" tIns="31350" rIns="62700" bIns="31350" rtlCol="0" anchor="ctr"/>
-          <a:lstStyle/>
-          <a:p>
-            <a:pPr algn="ctr"/>
-            <a:endParaRPr lang="en-US"/>
-          </a:p>
-        </p:txBody>
-      </p:sp>
-      <p:sp>
-        <p:nvSpPr>
-          <p:cNvPr id="5" name="TextBox 4"/>
-          <p:cNvSpPr txBox="1"/>
-          <p:nvPr/>
-        </p:nvSpPr>
-        <p:spPr>
-          <a:xfrm>
-            <a:off x="533400" y="4572000"/>
-            <a:ext cx="3581400" cy="755810"/>
-          </a:xfrm>
-          <a:prstGeom prst="rect">
-            <a:avLst/>
-          </a:prstGeom>
-          <a:noFill/>
-        </p:spPr>
-        <p:txBody>
-          <a:bodyPr wrap="square" lIns="62700" tIns="31350" rIns="62700" bIns="31350" rtlCol="0">
-            <a:spAutoFit/>
-          </a:bodyPr>
-          <a:lstStyle/>
-          <a:p>
-            <a:pPr algn="ctr"/>
-            <a:r>
-              <a:rPr lang="en-US" sz="4500" b="1" dirty="0"/>
-              <a:t>Forward</a:t>
-            </a:r>
-          </a:p>
-        </p:txBody>
-      </p:sp>
-    </p:spTree>
-  </p:cSld>
-  <p:clrMapOvr>
-    <a:masterClrMapping/>
-  </p:clrMapOvr>
-</p:sld>
-</file>
-
-<file path=ppt/slides/slide3.xml><?xml version="1.0" encoding="utf-8"?>
-<p:sld xmlns:a="http://schemas.openxmlformats.org/drawingml/2006/main" xmlns:r="http://schemas.openxmlformats.org/officeDocument/2006/relationships" xmlns:p="http://schemas.openxmlformats.org/presentationml/2006/main">
-  <p:cSld>
-    <p:spTree>
-      <p:nvGrpSpPr>
-        <p:cNvPr id="1" name=""/>
-        <p:cNvGrpSpPr/>
-        <p:nvPr/>
-      </p:nvGrpSpPr>
-      <p:grpSpPr>
-        <a:xfrm>
-          <a:off x="0" y="0"/>
-          <a:ext cx="0" cy="0"/>
-          <a:chOff x="0" y="0"/>
-          <a:chExt cx="0" cy="0"/>
-        </a:xfrm>
-      </p:grpSpPr>
-      <p:sp>
-        <p:nvSpPr>
-          <p:cNvPr id="4" name="Right Arrow 3"/>
-          <p:cNvSpPr/>
-          <p:nvPr/>
-        </p:nvSpPr>
-        <p:spPr>
-          <a:xfrm rot="5400000">
-            <a:off x="775306" y="1586894"/>
-            <a:ext cx="3124200" cy="2236412"/>
-          </a:xfrm>
-          <a:prstGeom prst="rightArrow">
-            <a:avLst/>
-          </a:prstGeom>
-        </p:spPr>
-        <p:style>
-          <a:lnRef idx="2">
-            <a:schemeClr val="accent1">
-              <a:shade val="50000"/>
-            </a:schemeClr>
-          </a:lnRef>
-          <a:fillRef idx="1">
-            <a:schemeClr val="accent1"/>
-          </a:fillRef>
-          <a:effectRef idx="0">
-            <a:schemeClr val="accent1"/>
-          </a:effectRef>
-          <a:fontRef idx="minor">
-            <a:schemeClr val="lt1"/>
-          </a:fontRef>
-        </p:style>
-        <p:txBody>
-          <a:bodyPr lIns="62700" tIns="31350" rIns="62700" bIns="31350" rtlCol="0" anchor="ctr"/>
-          <a:lstStyle/>
-          <a:p>
-            <a:pPr algn="ctr"/>
-            <a:endParaRPr lang="en-US"/>
-          </a:p>
-        </p:txBody>
-      </p:sp>
-      <p:sp>
-        <p:nvSpPr>
-          <p:cNvPr id="5" name="TextBox 4"/>
-          <p:cNvSpPr txBox="1"/>
-          <p:nvPr/>
-        </p:nvSpPr>
-        <p:spPr>
-          <a:xfrm>
-            <a:off x="533400" y="4572000"/>
-            <a:ext cx="3581400" cy="755810"/>
-          </a:xfrm>
-          <a:prstGeom prst="rect">
-            <a:avLst/>
-          </a:prstGeom>
-          <a:noFill/>
-        </p:spPr>
-        <p:txBody>
-          <a:bodyPr wrap="square" lIns="62700" tIns="31350" rIns="62700" bIns="31350" rtlCol="0">
-            <a:spAutoFit/>
-          </a:bodyPr>
-          <a:lstStyle/>
-          <a:p>
-            <a:pPr algn="ctr"/>
-            <a:r>
-              <a:rPr lang="en-US" sz="4500" b="1" smtClean="0"/>
-              <a:t>Reverse</a:t>
-            </a:r>
-            <a:endParaRPr lang="en-US" sz="4500" b="1" dirty="0"/>
-          </a:p>
-        </p:txBody>
-      </p:sp>
-    </p:spTree>
-  </p:cSld>
-  <p:clrMapOvr>
-    <a:masterClrMapping/>
-  </p:clrMapOvr>
-</p:sld>
-</file>
-
-<file path=ppt/slides/slide4.xml><?xml version="1.0" encoding="utf-8"?>
-<p:sld xmlns:a="http://schemas.openxmlformats.org/drawingml/2006/main" xmlns:r="http://schemas.openxmlformats.org/officeDocument/2006/relationships" xmlns:p="http://schemas.openxmlformats.org/presentationml/2006/main">
-  <p:cSld>
-    <p:spTree>
-      <p:nvGrpSpPr>
-        <p:cNvPr id="1" name=""/>
-        <p:cNvGrpSpPr/>
-        <p:nvPr/>
-      </p:nvGrpSpPr>
-      <p:grpSpPr>
-        <a:xfrm>
-          <a:off x="0" y="0"/>
-          <a:ext cx="0" cy="0"/>
-          <a:chOff x="0" y="0"/>
-          <a:chExt cx="0" cy="0"/>
-        </a:xfrm>
-      </p:grpSpPr>
-      <p:sp>
-        <p:nvSpPr>
-          <p:cNvPr id="4" name="Right Arrow 3"/>
-          <p:cNvSpPr/>
-          <p:nvPr/>
-        </p:nvSpPr>
-        <p:spPr>
-          <a:xfrm>
-            <a:off x="775306" y="1586894"/>
-            <a:ext cx="3124200" cy="2236412"/>
-          </a:xfrm>
-          <a:prstGeom prst="rightArrow">
-            <a:avLst/>
-          </a:prstGeom>
-        </p:spPr>
-        <p:style>
-          <a:lnRef idx="2">
-            <a:schemeClr val="accent1">
-              <a:shade val="50000"/>
-            </a:schemeClr>
-          </a:lnRef>
-          <a:fillRef idx="1">
-            <a:schemeClr val="accent1"/>
-          </a:fillRef>
-          <a:effectRef idx="0">
-            <a:schemeClr val="accent1"/>
-          </a:effectRef>
-          <a:fontRef idx="minor">
-            <a:schemeClr val="lt1"/>
-          </a:fontRef>
-        </p:style>
-        <p:txBody>
-          <a:bodyPr lIns="62700" tIns="31350" rIns="62700" bIns="31350" rtlCol="0" anchor="ctr"/>
-          <a:lstStyle/>
-          <a:p>
-            <a:pPr algn="ctr"/>
-            <a:endParaRPr lang="en-US"/>
-          </a:p>
-        </p:txBody>
-      </p:sp>
-      <p:sp>
-        <p:nvSpPr>
-          <p:cNvPr id="5" name="TextBox 4"/>
-          <p:cNvSpPr txBox="1"/>
-          <p:nvPr/>
-        </p:nvSpPr>
-        <p:spPr>
-          <a:xfrm>
-            <a:off x="533400" y="4572000"/>
-            <a:ext cx="3581400" cy="755810"/>
-          </a:xfrm>
-          <a:prstGeom prst="rect">
-            <a:avLst/>
-          </a:prstGeom>
-          <a:noFill/>
-        </p:spPr>
-        <p:txBody>
-          <a:bodyPr wrap="square" lIns="62700" tIns="31350" rIns="62700" bIns="31350" rtlCol="0">
-            <a:spAutoFit/>
-          </a:bodyPr>
-          <a:lstStyle/>
-          <a:p>
-            <a:pPr algn="ctr"/>
-            <a:r>
-              <a:rPr lang="en-US" sz="4500" b="1" dirty="0" smtClean="0"/>
-              <a:t>Right</a:t>
-            </a:r>
-            <a:endParaRPr lang="en-US" sz="4500" b="1" dirty="0"/>
-          </a:p>
-        </p:txBody>
-      </p:sp>
-    </p:spTree>
-  </p:cSld>
-  <p:clrMapOvr>
-    <a:masterClrMapping/>
-  </p:clrMapOvr>
-</p:sld>
-</file>
-
-<file path=ppt/slides/slide5.xml><?xml version="1.0" encoding="utf-8"?>
-<p:sld xmlns:a="http://schemas.openxmlformats.org/drawingml/2006/main" xmlns:r="http://schemas.openxmlformats.org/officeDocument/2006/relationships" xmlns:p="http://schemas.openxmlformats.org/presentationml/2006/main">
-  <p:cSld>
-    <p:spTree>
-      <p:nvGrpSpPr>
-        <p:cNvPr id="1" name=""/>
-        <p:cNvGrpSpPr/>
-        <p:nvPr/>
-      </p:nvGrpSpPr>
-      <p:grpSpPr>
-        <a:xfrm>
-          <a:off x="0" y="0"/>
-          <a:ext cx="0" cy="0"/>
-          <a:chOff x="0" y="0"/>
-          <a:chExt cx="0" cy="0"/>
-        </a:xfrm>
-      </p:grpSpPr>
-      <p:sp>
-        <p:nvSpPr>
-          <p:cNvPr id="4" name="Right Arrow 3"/>
-          <p:cNvSpPr/>
-          <p:nvPr/>
-        </p:nvSpPr>
-        <p:spPr>
-          <a:xfrm rot="10800000">
-            <a:off x="775306" y="1586894"/>
-            <a:ext cx="3124200" cy="2236412"/>
-          </a:xfrm>
-          <a:prstGeom prst="rightArrow">
-            <a:avLst/>
-          </a:prstGeom>
-        </p:spPr>
-        <p:style>
-          <a:lnRef idx="2">
-            <a:schemeClr val="accent1">
-              <a:shade val="50000"/>
-            </a:schemeClr>
-          </a:lnRef>
-          <a:fillRef idx="1">
-            <a:schemeClr val="accent1"/>
-          </a:fillRef>
-          <a:effectRef idx="0">
-            <a:schemeClr val="accent1"/>
-          </a:effectRef>
-          <a:fontRef idx="minor">
-            <a:schemeClr val="lt1"/>
-          </a:fontRef>
-        </p:style>
-        <p:txBody>
-          <a:bodyPr lIns="62700" tIns="31350" rIns="62700" bIns="31350" rtlCol="0" anchor="ctr"/>
-          <a:lstStyle/>
-          <a:p>
-            <a:pPr algn="ctr"/>
-            <a:endParaRPr lang="en-US"/>
-          </a:p>
-        </p:txBody>
-      </p:sp>
-      <p:sp>
-        <p:nvSpPr>
-          <p:cNvPr id="5" name="TextBox 4"/>
-          <p:cNvSpPr txBox="1"/>
-          <p:nvPr/>
-        </p:nvSpPr>
-        <p:spPr>
-          <a:xfrm>
-            <a:off x="533400" y="4572000"/>
-            <a:ext cx="3581400" cy="755810"/>
-          </a:xfrm>
-          <a:prstGeom prst="rect">
-            <a:avLst/>
-          </a:prstGeom>
-          <a:noFill/>
-        </p:spPr>
-        <p:txBody>
-          <a:bodyPr wrap="square" lIns="62700" tIns="31350" rIns="62700" bIns="31350" rtlCol="0">
-            <a:spAutoFit/>
-          </a:bodyPr>
-          <a:lstStyle/>
-          <a:p>
-            <a:pPr algn="ctr"/>
-            <a:r>
-              <a:rPr lang="en-US" sz="4500" b="1" dirty="0" smtClean="0"/>
-              <a:t>Left</a:t>
-            </a:r>
-            <a:endParaRPr lang="en-US" sz="4500" b="1" dirty="0"/>
-          </a:p>
-        </p:txBody>
-      </p:sp>
-    </p:spTree>
-  </p:cSld>
-  <p:clrMapOvr>
-    <a:masterClrMapping/>
-  </p:clrMapOvr>
-</p:sld>
-</file>
-
-<file path=ppt/slides/slide6.xml><?xml version="1.0" encoding="utf-8"?>
-<p:sld xmlns:a="http://schemas.openxmlformats.org/drawingml/2006/main" xmlns:r="http://schemas.openxmlformats.org/officeDocument/2006/relationships" xmlns:p="http://schemas.openxmlformats.org/presentationml/2006/main">
-  <p:cSld>
-    <p:spTree>
-      <p:nvGrpSpPr>
-        <p:cNvPr id="1" name=""/>
-        <p:cNvGrpSpPr/>
-        <p:nvPr/>
-      </p:nvGrpSpPr>
-      <p:grpSpPr>
-        <a:xfrm>
-          <a:off x="0" y="0"/>
-          <a:ext cx="0" cy="0"/>
-          <a:chOff x="0" y="0"/>
-          <a:chExt cx="0" cy="0"/>
-        </a:xfrm>
-      </p:grpSpPr>
-      <p:sp>
-        <p:nvSpPr>
-          <p:cNvPr id="5" name="TextBox 4"/>
-          <p:cNvSpPr txBox="1"/>
-          <p:nvPr/>
-        </p:nvSpPr>
-        <p:spPr>
-          <a:xfrm>
-            <a:off x="533400" y="4572000"/>
-            <a:ext cx="3581400" cy="755810"/>
-          </a:xfrm>
-          <a:prstGeom prst="rect">
-            <a:avLst/>
-          </a:prstGeom>
-          <a:noFill/>
-        </p:spPr>
-        <p:txBody>
-          <a:bodyPr wrap="square" lIns="62700" tIns="31350" rIns="62700" bIns="31350" rtlCol="0">
-            <a:spAutoFit/>
-          </a:bodyPr>
-          <a:lstStyle/>
-          <a:p>
-            <a:pPr algn="ctr"/>
-            <a:r>
-              <a:rPr lang="en-US" sz="4500" b="1" dirty="0" smtClean="0"/>
-              <a:t>Save</a:t>
-            </a:r>
-            <a:endParaRPr lang="en-US" sz="4500" b="1" dirty="0"/>
-          </a:p>
-        </p:txBody>
-      </p:sp>
       <p:grpSp>
         <p:nvGrpSpPr>
-          <p:cNvPr id="17" name="Group 16"/>
+          <p:cNvPr id="6" name="Group 5"/>
           <p:cNvGrpSpPr/>
           <p:nvPr/>
         </p:nvGrpSpPr>
         <p:grpSpPr>
           <a:xfrm>
-            <a:off x="914400" y="1066800"/>
-            <a:ext cx="2819400" cy="2819400"/>
-            <a:chOff x="914400" y="1066800"/>
-            <a:chExt cx="2819400" cy="2819400"/>
+            <a:off x="533400" y="1143000"/>
+            <a:ext cx="3581400" cy="4184810"/>
+            <a:chOff x="533400" y="1143000"/>
+            <a:chExt cx="3581400" cy="4184810"/>
           </a:xfrm>
         </p:grpSpPr>
         <p:sp>
           <p:nvSpPr>
-            <p:cNvPr id="9" name="Rounded Rectangle 8"/>
+            <p:cNvPr id="5" name="TextBox 4"/>
+            <p:cNvSpPr txBox="1"/>
+            <p:nvPr/>
+          </p:nvSpPr>
+          <p:spPr>
+            <a:xfrm>
+              <a:off x="533400" y="4572000"/>
+              <a:ext cx="3581400" cy="755810"/>
+            </a:xfrm>
+            <a:prstGeom prst="rect">
+              <a:avLst/>
+            </a:prstGeom>
+            <a:noFill/>
+          </p:spPr>
+          <p:txBody>
+            <a:bodyPr wrap="square" lIns="62700" tIns="31350" rIns="62700" bIns="31350" rtlCol="0">
+              <a:spAutoFit/>
+            </a:bodyPr>
+            <a:lstStyle/>
+            <a:p>
+              <a:pPr algn="ctr"/>
+              <a:r>
+                <a:rPr lang="en-US" sz="4500" b="1" dirty="0" smtClean="0"/>
+                <a:t>Record</a:t>
+              </a:r>
+              <a:endParaRPr lang="en-US" sz="4500" b="1" dirty="0"/>
+            </a:p>
+          </p:txBody>
+        </p:sp>
+        <p:sp>
+          <p:nvSpPr>
+            <p:cNvPr id="4" name="Oval 3"/>
             <p:cNvSpPr/>
             <p:nvPr/>
           </p:nvSpPr>
           <p:spPr>
             <a:xfrm>
-              <a:off x="914400" y="1066800"/>
-              <a:ext cx="2819400" cy="2819400"/>
+              <a:off x="762000" y="1143000"/>
+              <a:ext cx="3124200" cy="3124200"/>
             </a:xfrm>
-            <a:prstGeom prst="roundRect">
+            <a:prstGeom prst="ellipse">
               <a:avLst/>
             </a:prstGeom>
+            <a:solidFill>
+              <a:schemeClr val="bg1"/>
+            </a:solidFill>
+            <a:ln w="76200">
+              <a:solidFill>
+                <a:schemeClr val="bg1">
+                  <a:lumMod val="75000"/>
+                </a:schemeClr>
+              </a:solidFill>
+            </a:ln>
           </p:spPr>
           <p:style>
             <a:lnRef idx="2">
@@ -3682,16 +3164,986 @@
         </p:sp>
         <p:sp>
           <p:nvSpPr>
-            <p:cNvPr id="10" name="Rectangle 9"/>
+            <p:cNvPr id="7" name="Rounded Rectangle 6"/>
             <p:cNvSpPr/>
             <p:nvPr/>
           </p:nvSpPr>
           <p:spPr>
             <a:xfrm>
-              <a:off x="1447800" y="1066800"/>
-              <a:ext cx="1752600" cy="1066800"/>
+              <a:off x="1409700" y="1790700"/>
+              <a:ext cx="1828800" cy="1828800"/>
+            </a:xfrm>
+            <a:prstGeom prst="roundRect">
+              <a:avLst/>
+            </a:prstGeom>
+          </p:spPr>
+          <p:style>
+            <a:lnRef idx="2">
+              <a:schemeClr val="accent2">
+                <a:shade val="50000"/>
+              </a:schemeClr>
+            </a:lnRef>
+            <a:fillRef idx="1">
+              <a:schemeClr val="accent2"/>
+            </a:fillRef>
+            <a:effectRef idx="0">
+              <a:schemeClr val="accent2"/>
+            </a:effectRef>
+            <a:fontRef idx="minor">
+              <a:schemeClr val="lt1"/>
+            </a:fontRef>
+          </p:style>
+          <p:txBody>
+            <a:bodyPr rtlCol="0" anchor="ctr"/>
+            <a:lstStyle/>
+            <a:p>
+              <a:pPr algn="ctr"/>
+              <a:endParaRPr lang="en-US"/>
+            </a:p>
+          </p:txBody>
+        </p:sp>
+      </p:grpSp>
+    </p:spTree>
+  </p:cSld>
+  <p:clrMapOvr>
+    <a:masterClrMapping/>
+  </p:clrMapOvr>
+</p:sld>
+</file>
+
+<file path=ppt/slides/slide2.xml><?xml version="1.0" encoding="utf-8"?>
+<p:sld xmlns:a="http://schemas.openxmlformats.org/drawingml/2006/main" xmlns:r="http://schemas.openxmlformats.org/officeDocument/2006/relationships" xmlns:p="http://schemas.openxmlformats.org/presentationml/2006/main">
+  <p:cSld>
+    <p:spTree>
+      <p:nvGrpSpPr>
+        <p:cNvPr id="1" name=""/>
+        <p:cNvGrpSpPr/>
+        <p:nvPr/>
+      </p:nvGrpSpPr>
+      <p:grpSpPr>
+        <a:xfrm>
+          <a:off x="0" y="0"/>
+          <a:ext cx="0" cy="0"/>
+          <a:chOff x="0" y="0"/>
+          <a:chExt cx="0" cy="0"/>
+        </a:xfrm>
+      </p:grpSpPr>
+      <p:grpSp>
+        <p:nvGrpSpPr>
+          <p:cNvPr id="6" name="Group 5"/>
+          <p:cNvGrpSpPr/>
+          <p:nvPr/>
+        </p:nvGrpSpPr>
+        <p:grpSpPr>
+          <a:xfrm>
+            <a:off x="533400" y="1143000"/>
+            <a:ext cx="3581400" cy="4184810"/>
+            <a:chOff x="533400" y="1143000"/>
+            <a:chExt cx="3581400" cy="4184810"/>
+          </a:xfrm>
+        </p:grpSpPr>
+        <p:sp>
+          <p:nvSpPr>
+            <p:cNvPr id="4" name="Right Arrow 3"/>
+            <p:cNvSpPr/>
+            <p:nvPr/>
+          </p:nvSpPr>
+          <p:spPr>
+            <a:xfrm rot="16200000">
+              <a:off x="775306" y="1586894"/>
+              <a:ext cx="3124200" cy="2236412"/>
+            </a:xfrm>
+            <a:prstGeom prst="rightArrow">
+              <a:avLst/>
+            </a:prstGeom>
+          </p:spPr>
+          <p:style>
+            <a:lnRef idx="2">
+              <a:schemeClr val="accent1">
+                <a:shade val="50000"/>
+              </a:schemeClr>
+            </a:lnRef>
+            <a:fillRef idx="1">
+              <a:schemeClr val="accent1"/>
+            </a:fillRef>
+            <a:effectRef idx="0">
+              <a:schemeClr val="accent1"/>
+            </a:effectRef>
+            <a:fontRef idx="minor">
+              <a:schemeClr val="lt1"/>
+            </a:fontRef>
+          </p:style>
+          <p:txBody>
+            <a:bodyPr lIns="62700" tIns="31350" rIns="62700" bIns="31350" rtlCol="0" anchor="ctr"/>
+            <a:lstStyle/>
+            <a:p>
+              <a:pPr algn="ctr"/>
+              <a:endParaRPr lang="en-US"/>
+            </a:p>
+          </p:txBody>
+        </p:sp>
+        <p:sp>
+          <p:nvSpPr>
+            <p:cNvPr id="5" name="TextBox 4"/>
+            <p:cNvSpPr txBox="1"/>
+            <p:nvPr/>
+          </p:nvSpPr>
+          <p:spPr>
+            <a:xfrm>
+              <a:off x="533400" y="4572000"/>
+              <a:ext cx="3581400" cy="755810"/>
             </a:xfrm>
             <a:prstGeom prst="rect">
+              <a:avLst/>
+            </a:prstGeom>
+            <a:noFill/>
+          </p:spPr>
+          <p:txBody>
+            <a:bodyPr wrap="square" lIns="62700" tIns="31350" rIns="62700" bIns="31350" rtlCol="0">
+              <a:spAutoFit/>
+            </a:bodyPr>
+            <a:lstStyle/>
+            <a:p>
+              <a:pPr algn="ctr"/>
+              <a:r>
+                <a:rPr lang="en-US" sz="4500" b="1" dirty="0"/>
+                <a:t>Forward</a:t>
+              </a:r>
+            </a:p>
+          </p:txBody>
+        </p:sp>
+      </p:grpSp>
+    </p:spTree>
+  </p:cSld>
+  <p:clrMapOvr>
+    <a:masterClrMapping/>
+  </p:clrMapOvr>
+</p:sld>
+</file>
+
+<file path=ppt/slides/slide3.xml><?xml version="1.0" encoding="utf-8"?>
+<p:sld xmlns:a="http://schemas.openxmlformats.org/drawingml/2006/main" xmlns:r="http://schemas.openxmlformats.org/officeDocument/2006/relationships" xmlns:p="http://schemas.openxmlformats.org/presentationml/2006/main">
+  <p:cSld>
+    <p:spTree>
+      <p:nvGrpSpPr>
+        <p:cNvPr id="1" name=""/>
+        <p:cNvGrpSpPr/>
+        <p:nvPr/>
+      </p:nvGrpSpPr>
+      <p:grpSpPr>
+        <a:xfrm>
+          <a:off x="0" y="0"/>
+          <a:ext cx="0" cy="0"/>
+          <a:chOff x="0" y="0"/>
+          <a:chExt cx="0" cy="0"/>
+        </a:xfrm>
+      </p:grpSpPr>
+      <p:grpSp>
+        <p:nvGrpSpPr>
+          <p:cNvPr id="6" name="Group 5"/>
+          <p:cNvGrpSpPr/>
+          <p:nvPr/>
+        </p:nvGrpSpPr>
+        <p:grpSpPr>
+          <a:xfrm>
+            <a:off x="533400" y="1143000"/>
+            <a:ext cx="3581400" cy="4184810"/>
+            <a:chOff x="533400" y="1143000"/>
+            <a:chExt cx="3581400" cy="4184810"/>
+          </a:xfrm>
+        </p:grpSpPr>
+        <p:sp>
+          <p:nvSpPr>
+            <p:cNvPr id="4" name="Right Arrow 3"/>
+            <p:cNvSpPr/>
+            <p:nvPr/>
+          </p:nvSpPr>
+          <p:spPr>
+            <a:xfrm rot="5400000">
+              <a:off x="775306" y="1586894"/>
+              <a:ext cx="3124200" cy="2236412"/>
+            </a:xfrm>
+            <a:prstGeom prst="rightArrow">
+              <a:avLst/>
+            </a:prstGeom>
+          </p:spPr>
+          <p:style>
+            <a:lnRef idx="2">
+              <a:schemeClr val="accent1">
+                <a:shade val="50000"/>
+              </a:schemeClr>
+            </a:lnRef>
+            <a:fillRef idx="1">
+              <a:schemeClr val="accent1"/>
+            </a:fillRef>
+            <a:effectRef idx="0">
+              <a:schemeClr val="accent1"/>
+            </a:effectRef>
+            <a:fontRef idx="minor">
+              <a:schemeClr val="lt1"/>
+            </a:fontRef>
+          </p:style>
+          <p:txBody>
+            <a:bodyPr lIns="62700" tIns="31350" rIns="62700" bIns="31350" rtlCol="0" anchor="ctr"/>
+            <a:lstStyle/>
+            <a:p>
+              <a:pPr algn="ctr"/>
+              <a:endParaRPr lang="en-US"/>
+            </a:p>
+          </p:txBody>
+        </p:sp>
+        <p:sp>
+          <p:nvSpPr>
+            <p:cNvPr id="5" name="TextBox 4"/>
+            <p:cNvSpPr txBox="1"/>
+            <p:nvPr/>
+          </p:nvSpPr>
+          <p:spPr>
+            <a:xfrm>
+              <a:off x="533400" y="4572000"/>
+              <a:ext cx="3581400" cy="755810"/>
+            </a:xfrm>
+            <a:prstGeom prst="rect">
+              <a:avLst/>
+            </a:prstGeom>
+            <a:noFill/>
+          </p:spPr>
+          <p:txBody>
+            <a:bodyPr wrap="square" lIns="62700" tIns="31350" rIns="62700" bIns="31350" rtlCol="0">
+              <a:spAutoFit/>
+            </a:bodyPr>
+            <a:lstStyle/>
+            <a:p>
+              <a:pPr algn="ctr"/>
+              <a:r>
+                <a:rPr lang="en-US" sz="4500" b="1" smtClean="0"/>
+                <a:t>Reverse</a:t>
+              </a:r>
+              <a:endParaRPr lang="en-US" sz="4500" b="1" dirty="0"/>
+            </a:p>
+          </p:txBody>
+        </p:sp>
+      </p:grpSp>
+    </p:spTree>
+  </p:cSld>
+  <p:clrMapOvr>
+    <a:masterClrMapping/>
+  </p:clrMapOvr>
+</p:sld>
+</file>
+
+<file path=ppt/slides/slide4.xml><?xml version="1.0" encoding="utf-8"?>
+<p:sld xmlns:a="http://schemas.openxmlformats.org/drawingml/2006/main" xmlns:r="http://schemas.openxmlformats.org/officeDocument/2006/relationships" xmlns:p="http://schemas.openxmlformats.org/presentationml/2006/main">
+  <p:cSld>
+    <p:spTree>
+      <p:nvGrpSpPr>
+        <p:cNvPr id="1" name=""/>
+        <p:cNvGrpSpPr/>
+        <p:nvPr/>
+      </p:nvGrpSpPr>
+      <p:grpSpPr>
+        <a:xfrm>
+          <a:off x="0" y="0"/>
+          <a:ext cx="0" cy="0"/>
+          <a:chOff x="0" y="0"/>
+          <a:chExt cx="0" cy="0"/>
+        </a:xfrm>
+      </p:grpSpPr>
+      <p:grpSp>
+        <p:nvGrpSpPr>
+          <p:cNvPr id="6" name="Group 5"/>
+          <p:cNvGrpSpPr/>
+          <p:nvPr/>
+        </p:nvGrpSpPr>
+        <p:grpSpPr>
+          <a:xfrm>
+            <a:off x="533400" y="1586894"/>
+            <a:ext cx="3581400" cy="3740916"/>
+            <a:chOff x="533400" y="1586894"/>
+            <a:chExt cx="3581400" cy="3740916"/>
+          </a:xfrm>
+        </p:grpSpPr>
+        <p:sp>
+          <p:nvSpPr>
+            <p:cNvPr id="4" name="Right Arrow 3"/>
+            <p:cNvSpPr/>
+            <p:nvPr/>
+          </p:nvSpPr>
+          <p:spPr>
+            <a:xfrm>
+              <a:off x="775306" y="1586894"/>
+              <a:ext cx="3124200" cy="2236412"/>
+            </a:xfrm>
+            <a:prstGeom prst="rightArrow">
+              <a:avLst/>
+            </a:prstGeom>
+          </p:spPr>
+          <p:style>
+            <a:lnRef idx="2">
+              <a:schemeClr val="accent1">
+                <a:shade val="50000"/>
+              </a:schemeClr>
+            </a:lnRef>
+            <a:fillRef idx="1">
+              <a:schemeClr val="accent1"/>
+            </a:fillRef>
+            <a:effectRef idx="0">
+              <a:schemeClr val="accent1"/>
+            </a:effectRef>
+            <a:fontRef idx="minor">
+              <a:schemeClr val="lt1"/>
+            </a:fontRef>
+          </p:style>
+          <p:txBody>
+            <a:bodyPr lIns="62700" tIns="31350" rIns="62700" bIns="31350" rtlCol="0" anchor="ctr"/>
+            <a:lstStyle/>
+            <a:p>
+              <a:pPr algn="ctr"/>
+              <a:endParaRPr lang="en-US"/>
+            </a:p>
+          </p:txBody>
+        </p:sp>
+        <p:sp>
+          <p:nvSpPr>
+            <p:cNvPr id="5" name="TextBox 4"/>
+            <p:cNvSpPr txBox="1"/>
+            <p:nvPr/>
+          </p:nvSpPr>
+          <p:spPr>
+            <a:xfrm>
+              <a:off x="533400" y="4572000"/>
+              <a:ext cx="3581400" cy="755810"/>
+            </a:xfrm>
+            <a:prstGeom prst="rect">
+              <a:avLst/>
+            </a:prstGeom>
+            <a:noFill/>
+          </p:spPr>
+          <p:txBody>
+            <a:bodyPr wrap="square" lIns="62700" tIns="31350" rIns="62700" bIns="31350" rtlCol="0">
+              <a:spAutoFit/>
+            </a:bodyPr>
+            <a:lstStyle/>
+            <a:p>
+              <a:pPr algn="ctr"/>
+              <a:r>
+                <a:rPr lang="en-US" sz="4500" b="1" dirty="0" smtClean="0"/>
+                <a:t>Right</a:t>
+              </a:r>
+              <a:endParaRPr lang="en-US" sz="4500" b="1" dirty="0"/>
+            </a:p>
+          </p:txBody>
+        </p:sp>
+      </p:grpSp>
+    </p:spTree>
+  </p:cSld>
+  <p:clrMapOvr>
+    <a:masterClrMapping/>
+  </p:clrMapOvr>
+</p:sld>
+</file>
+
+<file path=ppt/slides/slide5.xml><?xml version="1.0" encoding="utf-8"?>
+<p:sld xmlns:a="http://schemas.openxmlformats.org/drawingml/2006/main" xmlns:r="http://schemas.openxmlformats.org/officeDocument/2006/relationships" xmlns:p="http://schemas.openxmlformats.org/presentationml/2006/main">
+  <p:cSld>
+    <p:spTree>
+      <p:nvGrpSpPr>
+        <p:cNvPr id="1" name=""/>
+        <p:cNvGrpSpPr/>
+        <p:nvPr/>
+      </p:nvGrpSpPr>
+      <p:grpSpPr>
+        <a:xfrm>
+          <a:off x="0" y="0"/>
+          <a:ext cx="0" cy="0"/>
+          <a:chOff x="0" y="0"/>
+          <a:chExt cx="0" cy="0"/>
+        </a:xfrm>
+      </p:grpSpPr>
+      <p:grpSp>
+        <p:nvGrpSpPr>
+          <p:cNvPr id="6" name="Group 5"/>
+          <p:cNvGrpSpPr/>
+          <p:nvPr/>
+        </p:nvGrpSpPr>
+        <p:grpSpPr>
+          <a:xfrm>
+            <a:off x="533400" y="1586894"/>
+            <a:ext cx="3581400" cy="3740916"/>
+            <a:chOff x="533400" y="1586894"/>
+            <a:chExt cx="3581400" cy="3740916"/>
+          </a:xfrm>
+        </p:grpSpPr>
+        <p:sp>
+          <p:nvSpPr>
+            <p:cNvPr id="4" name="Right Arrow 3"/>
+            <p:cNvSpPr/>
+            <p:nvPr/>
+          </p:nvSpPr>
+          <p:spPr>
+            <a:xfrm rot="10800000">
+              <a:off x="775306" y="1586894"/>
+              <a:ext cx="3124200" cy="2236412"/>
+            </a:xfrm>
+            <a:prstGeom prst="rightArrow">
+              <a:avLst/>
+            </a:prstGeom>
+          </p:spPr>
+          <p:style>
+            <a:lnRef idx="2">
+              <a:schemeClr val="accent1">
+                <a:shade val="50000"/>
+              </a:schemeClr>
+            </a:lnRef>
+            <a:fillRef idx="1">
+              <a:schemeClr val="accent1"/>
+            </a:fillRef>
+            <a:effectRef idx="0">
+              <a:schemeClr val="accent1"/>
+            </a:effectRef>
+            <a:fontRef idx="minor">
+              <a:schemeClr val="lt1"/>
+            </a:fontRef>
+          </p:style>
+          <p:txBody>
+            <a:bodyPr lIns="62700" tIns="31350" rIns="62700" bIns="31350" rtlCol="0" anchor="ctr"/>
+            <a:lstStyle/>
+            <a:p>
+              <a:pPr algn="ctr"/>
+              <a:endParaRPr lang="en-US"/>
+            </a:p>
+          </p:txBody>
+        </p:sp>
+        <p:sp>
+          <p:nvSpPr>
+            <p:cNvPr id="5" name="TextBox 4"/>
+            <p:cNvSpPr txBox="1"/>
+            <p:nvPr/>
+          </p:nvSpPr>
+          <p:spPr>
+            <a:xfrm>
+              <a:off x="533400" y="4572000"/>
+              <a:ext cx="3581400" cy="755810"/>
+            </a:xfrm>
+            <a:prstGeom prst="rect">
+              <a:avLst/>
+            </a:prstGeom>
+            <a:noFill/>
+          </p:spPr>
+          <p:txBody>
+            <a:bodyPr wrap="square" lIns="62700" tIns="31350" rIns="62700" bIns="31350" rtlCol="0">
+              <a:spAutoFit/>
+            </a:bodyPr>
+            <a:lstStyle/>
+            <a:p>
+              <a:pPr algn="ctr"/>
+              <a:r>
+                <a:rPr lang="en-US" sz="4500" b="1" dirty="0" smtClean="0"/>
+                <a:t>Left</a:t>
+              </a:r>
+              <a:endParaRPr lang="en-US" sz="4500" b="1" dirty="0"/>
+            </a:p>
+          </p:txBody>
+        </p:sp>
+      </p:grpSp>
+    </p:spTree>
+  </p:cSld>
+  <p:clrMapOvr>
+    <a:masterClrMapping/>
+  </p:clrMapOvr>
+</p:sld>
+</file>
+
+<file path=ppt/slides/slide6.xml><?xml version="1.0" encoding="utf-8"?>
+<p:sld xmlns:a="http://schemas.openxmlformats.org/drawingml/2006/main" xmlns:r="http://schemas.openxmlformats.org/officeDocument/2006/relationships" xmlns:p="http://schemas.openxmlformats.org/presentationml/2006/main">
+  <p:cSld>
+    <p:spTree>
+      <p:nvGrpSpPr>
+        <p:cNvPr id="1" name=""/>
+        <p:cNvGrpSpPr/>
+        <p:nvPr/>
+      </p:nvGrpSpPr>
+      <p:grpSpPr>
+        <a:xfrm>
+          <a:off x="0" y="0"/>
+          <a:ext cx="0" cy="0"/>
+          <a:chOff x="0" y="0"/>
+          <a:chExt cx="0" cy="0"/>
+        </a:xfrm>
+      </p:grpSpPr>
+      <p:grpSp>
+        <p:nvGrpSpPr>
+          <p:cNvPr id="14" name="Group 13"/>
+          <p:cNvGrpSpPr/>
+          <p:nvPr/>
+        </p:nvGrpSpPr>
+        <p:grpSpPr>
+          <a:xfrm>
+            <a:off x="533400" y="1066800"/>
+            <a:ext cx="3581400" cy="4261010"/>
+            <a:chOff x="533400" y="1066800"/>
+            <a:chExt cx="3581400" cy="4261010"/>
+          </a:xfrm>
+        </p:grpSpPr>
+        <p:sp>
+          <p:nvSpPr>
+            <p:cNvPr id="5" name="TextBox 4"/>
+            <p:cNvSpPr txBox="1"/>
+            <p:nvPr/>
+          </p:nvSpPr>
+          <p:spPr>
+            <a:xfrm>
+              <a:off x="533400" y="4572000"/>
+              <a:ext cx="3581400" cy="755810"/>
+            </a:xfrm>
+            <a:prstGeom prst="rect">
+              <a:avLst/>
+            </a:prstGeom>
+            <a:noFill/>
+          </p:spPr>
+          <p:txBody>
+            <a:bodyPr wrap="square" lIns="62700" tIns="31350" rIns="62700" bIns="31350" rtlCol="0">
+              <a:spAutoFit/>
+            </a:bodyPr>
+            <a:lstStyle/>
+            <a:p>
+              <a:pPr algn="ctr"/>
+              <a:r>
+                <a:rPr lang="en-US" sz="4500" b="1" dirty="0" smtClean="0"/>
+                <a:t>Save</a:t>
+              </a:r>
+              <a:endParaRPr lang="en-US" sz="4500" b="1" dirty="0"/>
+            </a:p>
+          </p:txBody>
+        </p:sp>
+        <p:grpSp>
+          <p:nvGrpSpPr>
+            <p:cNvPr id="17" name="Group 16"/>
+            <p:cNvGrpSpPr/>
+            <p:nvPr/>
+          </p:nvGrpSpPr>
+          <p:grpSpPr>
+            <a:xfrm>
+              <a:off x="914400" y="1066800"/>
+              <a:ext cx="2819400" cy="2819400"/>
+              <a:chOff x="914400" y="1066800"/>
+              <a:chExt cx="2819400" cy="2819400"/>
+            </a:xfrm>
+          </p:grpSpPr>
+          <p:sp>
+            <p:nvSpPr>
+              <p:cNvPr id="9" name="Rounded Rectangle 8"/>
+              <p:cNvSpPr/>
+              <p:nvPr/>
+            </p:nvSpPr>
+            <p:spPr>
+              <a:xfrm>
+                <a:off x="914400" y="1066800"/>
+                <a:ext cx="2819400" cy="2819400"/>
+              </a:xfrm>
+              <a:prstGeom prst="roundRect">
+                <a:avLst/>
+              </a:prstGeom>
+            </p:spPr>
+            <p:style>
+              <a:lnRef idx="2">
+                <a:schemeClr val="accent1">
+                  <a:shade val="50000"/>
+                </a:schemeClr>
+              </a:lnRef>
+              <a:fillRef idx="1">
+                <a:schemeClr val="accent1"/>
+              </a:fillRef>
+              <a:effectRef idx="0">
+                <a:schemeClr val="accent1"/>
+              </a:effectRef>
+              <a:fontRef idx="minor">
+                <a:schemeClr val="lt1"/>
+              </a:fontRef>
+            </p:style>
+            <p:txBody>
+              <a:bodyPr rtlCol="0" anchor="ctr"/>
+              <a:lstStyle/>
+              <a:p>
+                <a:pPr algn="ctr"/>
+                <a:endParaRPr lang="en-US"/>
+              </a:p>
+            </p:txBody>
+          </p:sp>
+          <p:sp>
+            <p:nvSpPr>
+              <p:cNvPr id="10" name="Rectangle 9"/>
+              <p:cNvSpPr/>
+              <p:nvPr/>
+            </p:nvSpPr>
+            <p:spPr>
+              <a:xfrm>
+                <a:off x="1447800" y="1066800"/>
+                <a:ext cx="1752600" cy="1066800"/>
+              </a:xfrm>
+              <a:prstGeom prst="rect">
+                <a:avLst/>
+              </a:prstGeom>
+              <a:solidFill>
+                <a:schemeClr val="bg1"/>
+              </a:solidFill>
+            </p:spPr>
+            <p:style>
+              <a:lnRef idx="2">
+                <a:schemeClr val="accent1">
+                  <a:shade val="50000"/>
+                </a:schemeClr>
+              </a:lnRef>
+              <a:fillRef idx="1">
+                <a:schemeClr val="accent1"/>
+              </a:fillRef>
+              <a:effectRef idx="0">
+                <a:schemeClr val="accent1"/>
+              </a:effectRef>
+              <a:fontRef idx="minor">
+                <a:schemeClr val="lt1"/>
+              </a:fontRef>
+            </p:style>
+            <p:txBody>
+              <a:bodyPr rtlCol="0" anchor="ctr"/>
+              <a:lstStyle/>
+              <a:p>
+                <a:pPr algn="ctr"/>
+                <a:endParaRPr lang="en-US"/>
+              </a:p>
+            </p:txBody>
+          </p:sp>
+          <p:sp>
+            <p:nvSpPr>
+              <p:cNvPr id="11" name="Rectangle 10"/>
+              <p:cNvSpPr/>
+              <p:nvPr/>
+            </p:nvSpPr>
+            <p:spPr>
+              <a:xfrm>
+                <a:off x="1447800" y="2819400"/>
+                <a:ext cx="1752600" cy="1066800"/>
+              </a:xfrm>
+              <a:prstGeom prst="rect">
+                <a:avLst/>
+              </a:prstGeom>
+              <a:solidFill>
+                <a:schemeClr val="accent1">
+                  <a:lumMod val="75000"/>
+                </a:schemeClr>
+              </a:solidFill>
+            </p:spPr>
+            <p:style>
+              <a:lnRef idx="2">
+                <a:schemeClr val="accent1">
+                  <a:shade val="50000"/>
+                </a:schemeClr>
+              </a:lnRef>
+              <a:fillRef idx="1">
+                <a:schemeClr val="accent1"/>
+              </a:fillRef>
+              <a:effectRef idx="0">
+                <a:schemeClr val="accent1"/>
+              </a:effectRef>
+              <a:fontRef idx="minor">
+                <a:schemeClr val="lt1"/>
+              </a:fontRef>
+            </p:style>
+            <p:txBody>
+              <a:bodyPr rtlCol="0" anchor="ctr"/>
+              <a:lstStyle/>
+              <a:p>
+                <a:pPr algn="ctr"/>
+                <a:endParaRPr lang="en-US"/>
+              </a:p>
+            </p:txBody>
+          </p:sp>
+          <p:sp>
+            <p:nvSpPr>
+              <p:cNvPr id="12" name="Rectangle 11"/>
+              <p:cNvSpPr/>
+              <p:nvPr/>
+            </p:nvSpPr>
+            <p:spPr>
+              <a:xfrm>
+                <a:off x="1447800" y="2819400"/>
+                <a:ext cx="1066800" cy="1066800"/>
+              </a:xfrm>
+              <a:prstGeom prst="rect">
+                <a:avLst/>
+              </a:prstGeom>
+              <a:solidFill>
+                <a:schemeClr val="bg1"/>
+              </a:solidFill>
+            </p:spPr>
+            <p:style>
+              <a:lnRef idx="2">
+                <a:schemeClr val="accent1">
+                  <a:shade val="50000"/>
+                </a:schemeClr>
+              </a:lnRef>
+              <a:fillRef idx="1">
+                <a:schemeClr val="accent1"/>
+              </a:fillRef>
+              <a:effectRef idx="0">
+                <a:schemeClr val="accent1"/>
+              </a:effectRef>
+              <a:fontRef idx="minor">
+                <a:schemeClr val="lt1"/>
+              </a:fontRef>
+            </p:style>
+            <p:txBody>
+              <a:bodyPr rtlCol="0" anchor="ctr"/>
+              <a:lstStyle/>
+              <a:p>
+                <a:pPr algn="ctr"/>
+                <a:endParaRPr lang="en-US"/>
+              </a:p>
+            </p:txBody>
+          </p:sp>
+          <p:sp>
+            <p:nvSpPr>
+              <p:cNvPr id="13" name="Rectangle 12"/>
+              <p:cNvSpPr/>
+              <p:nvPr/>
+            </p:nvSpPr>
+            <p:spPr>
+              <a:xfrm>
+                <a:off x="1600200" y="2971800"/>
+                <a:ext cx="381000" cy="685800"/>
+              </a:xfrm>
+              <a:prstGeom prst="rect">
+                <a:avLst/>
+              </a:prstGeom>
+              <a:solidFill>
+                <a:schemeClr val="accent1">
+                  <a:lumMod val="75000"/>
+                </a:schemeClr>
+              </a:solidFill>
+            </p:spPr>
+            <p:style>
+              <a:lnRef idx="2">
+                <a:schemeClr val="accent1">
+                  <a:shade val="50000"/>
+                </a:schemeClr>
+              </a:lnRef>
+              <a:fillRef idx="1">
+                <a:schemeClr val="accent1"/>
+              </a:fillRef>
+              <a:effectRef idx="0">
+                <a:schemeClr val="accent1"/>
+              </a:effectRef>
+              <a:fontRef idx="minor">
+                <a:schemeClr val="lt1"/>
+              </a:fontRef>
+            </p:style>
+            <p:txBody>
+              <a:bodyPr rtlCol="0" anchor="ctr"/>
+              <a:lstStyle/>
+              <a:p>
+                <a:pPr algn="ctr"/>
+                <a:endParaRPr lang="en-US"/>
+              </a:p>
+            </p:txBody>
+          </p:sp>
+          <p:cxnSp>
+            <p:nvCxnSpPr>
+              <p:cNvPr id="15" name="Straight Connector 14"/>
+              <p:cNvCxnSpPr/>
+              <p:nvPr/>
+            </p:nvCxnSpPr>
+            <p:spPr>
+              <a:xfrm>
+                <a:off x="1752600" y="1371600"/>
+                <a:ext cx="1219200" cy="0"/>
+              </a:xfrm>
+              <a:prstGeom prst="line">
+                <a:avLst/>
+              </a:prstGeom>
+            </p:spPr>
+            <p:style>
+              <a:lnRef idx="1">
+                <a:schemeClr val="accent1"/>
+              </a:lnRef>
+              <a:fillRef idx="0">
+                <a:schemeClr val="accent1"/>
+              </a:fillRef>
+              <a:effectRef idx="0">
+                <a:schemeClr val="accent1"/>
+              </a:effectRef>
+              <a:fontRef idx="minor">
+                <a:schemeClr val="tx1"/>
+              </a:fontRef>
+            </p:style>
+          </p:cxnSp>
+          <p:cxnSp>
+            <p:nvCxnSpPr>
+              <p:cNvPr id="16" name="Straight Connector 15"/>
+              <p:cNvCxnSpPr/>
+              <p:nvPr/>
+            </p:nvCxnSpPr>
+            <p:spPr>
+              <a:xfrm>
+                <a:off x="1752600" y="1676400"/>
+                <a:ext cx="1219200" cy="0"/>
+              </a:xfrm>
+              <a:prstGeom prst="line">
+                <a:avLst/>
+              </a:prstGeom>
+            </p:spPr>
+            <p:style>
+              <a:lnRef idx="1">
+                <a:schemeClr val="accent1"/>
+              </a:lnRef>
+              <a:fillRef idx="0">
+                <a:schemeClr val="accent1"/>
+              </a:fillRef>
+              <a:effectRef idx="0">
+                <a:schemeClr val="accent1"/>
+              </a:effectRef>
+              <a:fontRef idx="minor">
+                <a:schemeClr val="tx1"/>
+              </a:fontRef>
+            </p:style>
+          </p:cxnSp>
+        </p:grpSp>
+      </p:grpSp>
+    </p:spTree>
+  </p:cSld>
+  <p:clrMapOvr>
+    <a:masterClrMapping/>
+  </p:clrMapOvr>
+</p:sld>
+</file>
+
+<file path=ppt/slides/slide7.xml><?xml version="1.0" encoding="utf-8"?>
+<p:sld xmlns:a="http://schemas.openxmlformats.org/drawingml/2006/main" xmlns:r="http://schemas.openxmlformats.org/officeDocument/2006/relationships" xmlns:p="http://schemas.openxmlformats.org/presentationml/2006/main">
+  <p:cSld>
+    <p:spTree>
+      <p:nvGrpSpPr>
+        <p:cNvPr id="1" name=""/>
+        <p:cNvGrpSpPr/>
+        <p:nvPr/>
+      </p:nvGrpSpPr>
+      <p:grpSpPr>
+        <a:xfrm>
+          <a:off x="0" y="0"/>
+          <a:ext cx="0" cy="0"/>
+          <a:chOff x="0" y="0"/>
+          <a:chExt cx="0" cy="0"/>
+        </a:xfrm>
+      </p:grpSpPr>
+      <p:grpSp>
+        <p:nvGrpSpPr>
+          <p:cNvPr id="23" name="Group 22"/>
+          <p:cNvGrpSpPr/>
+          <p:nvPr/>
+        </p:nvGrpSpPr>
+        <p:grpSpPr>
+          <a:xfrm>
+            <a:off x="533400" y="1143000"/>
+            <a:ext cx="3581400" cy="4267200"/>
+            <a:chOff x="533400" y="1143000"/>
+            <a:chExt cx="3581400" cy="4267200"/>
+          </a:xfrm>
+        </p:grpSpPr>
+        <p:sp>
+          <p:nvSpPr>
+            <p:cNvPr id="5" name="TextBox 4"/>
+            <p:cNvSpPr txBox="1"/>
+            <p:nvPr/>
+          </p:nvSpPr>
+          <p:spPr>
+            <a:xfrm>
+              <a:off x="533400" y="4654390"/>
+              <a:ext cx="3581400" cy="755810"/>
+            </a:xfrm>
+            <a:prstGeom prst="rect">
+              <a:avLst/>
+            </a:prstGeom>
+            <a:noFill/>
+          </p:spPr>
+          <p:txBody>
+            <a:bodyPr wrap="square" lIns="62700" tIns="31350" rIns="62700" bIns="31350" rtlCol="0">
+              <a:spAutoFit/>
+            </a:bodyPr>
+            <a:lstStyle/>
+            <a:p>
+              <a:pPr algn="ctr"/>
+              <a:r>
+                <a:rPr lang="en-US" sz="4500" b="1" dirty="0" smtClean="0"/>
+                <a:t>Find Face</a:t>
+              </a:r>
+              <a:endParaRPr lang="en-US" sz="4500" b="1" dirty="0"/>
+            </a:p>
+          </p:txBody>
+        </p:sp>
+        <p:sp>
+          <p:nvSpPr>
+            <p:cNvPr id="14" name="Oval 13"/>
+            <p:cNvSpPr/>
+            <p:nvPr/>
+          </p:nvSpPr>
+          <p:spPr>
+            <a:xfrm>
+              <a:off x="609600" y="1143000"/>
+              <a:ext cx="3276600" cy="3276600"/>
+            </a:xfrm>
+            <a:prstGeom prst="ellipse">
+              <a:avLst/>
+            </a:prstGeom>
+            <a:solidFill>
+              <a:schemeClr val="accent6">
+                <a:lumMod val="20000"/>
+                <a:lumOff val="80000"/>
+              </a:schemeClr>
+            </a:solidFill>
+            <a:ln w="57150">
+              <a:solidFill>
+                <a:schemeClr val="accent6">
+                  <a:lumMod val="60000"/>
+                  <a:lumOff val="40000"/>
+                </a:schemeClr>
+              </a:solidFill>
+            </a:ln>
+          </p:spPr>
+          <p:style>
+            <a:lnRef idx="2">
+              <a:schemeClr val="accent1">
+                <a:shade val="50000"/>
+              </a:schemeClr>
+            </a:lnRef>
+            <a:fillRef idx="1">
+              <a:schemeClr val="accent1"/>
+            </a:fillRef>
+            <a:effectRef idx="0">
+              <a:schemeClr val="accent1"/>
+            </a:effectRef>
+            <a:fontRef idx="minor">
+              <a:schemeClr val="lt1"/>
+            </a:fontRef>
+          </p:style>
+          <p:txBody>
+            <a:bodyPr rtlCol="0" anchor="ctr"/>
+            <a:lstStyle/>
+            <a:p>
+              <a:pPr algn="ctr"/>
+              <a:endParaRPr lang="en-US"/>
+            </a:p>
+          </p:txBody>
+        </p:sp>
+        <p:sp>
+          <p:nvSpPr>
+            <p:cNvPr id="17" name="Oval 16"/>
+            <p:cNvSpPr/>
+            <p:nvPr/>
+          </p:nvSpPr>
+          <p:spPr>
+            <a:xfrm>
+              <a:off x="1485900" y="1828800"/>
+              <a:ext cx="457200" cy="838200"/>
+            </a:xfrm>
+            <a:prstGeom prst="ellipse">
               <a:avLst/>
             </a:prstGeom>
             <a:solidFill>
@@ -3725,61 +4177,16 @@
         </p:sp>
         <p:sp>
           <p:nvSpPr>
-            <p:cNvPr id="11" name="Rectangle 10"/>
+            <p:cNvPr id="18" name="Oval 17"/>
             <p:cNvSpPr/>
             <p:nvPr/>
           </p:nvSpPr>
           <p:spPr>
             <a:xfrm>
-              <a:off x="1447800" y="2819400"/>
-              <a:ext cx="1752600" cy="1066800"/>
+              <a:off x="2552700" y="1828800"/>
+              <a:ext cx="457200" cy="838200"/>
             </a:xfrm>
-            <a:prstGeom prst="rect">
-              <a:avLst/>
-            </a:prstGeom>
-            <a:solidFill>
-              <a:schemeClr val="accent1">
-                <a:lumMod val="75000"/>
-              </a:schemeClr>
-            </a:solidFill>
-          </p:spPr>
-          <p:style>
-            <a:lnRef idx="2">
-              <a:schemeClr val="accent1">
-                <a:shade val="50000"/>
-              </a:schemeClr>
-            </a:lnRef>
-            <a:fillRef idx="1">
-              <a:schemeClr val="accent1"/>
-            </a:fillRef>
-            <a:effectRef idx="0">
-              <a:schemeClr val="accent1"/>
-            </a:effectRef>
-            <a:fontRef idx="minor">
-              <a:schemeClr val="lt1"/>
-            </a:fontRef>
-          </p:style>
-          <p:txBody>
-            <a:bodyPr rtlCol="0" anchor="ctr"/>
-            <a:lstStyle/>
-            <a:p>
-              <a:pPr algn="ctr"/>
-              <a:endParaRPr lang="en-US"/>
-            </a:p>
-          </p:txBody>
-        </p:sp>
-        <p:sp>
-          <p:nvSpPr>
-            <p:cNvPr id="12" name="Rectangle 11"/>
-            <p:cNvSpPr/>
-            <p:nvPr/>
-          </p:nvSpPr>
-          <p:spPr>
-            <a:xfrm>
-              <a:off x="1447800" y="2819400"/>
-              <a:ext cx="1066800" cy="1066800"/>
-            </a:xfrm>
-            <a:prstGeom prst="rect">
+            <a:prstGeom prst="ellipse">
               <a:avLst/>
             </a:prstGeom>
             <a:solidFill>
@@ -3813,22 +4220,264 @@
         </p:sp>
         <p:sp>
           <p:nvSpPr>
-            <p:cNvPr id="13" name="Rectangle 12"/>
+            <p:cNvPr id="20" name="Oval 19"/>
             <p:cNvSpPr/>
             <p:nvPr/>
           </p:nvSpPr>
           <p:spPr>
             <a:xfrm>
-              <a:off x="1600200" y="2971800"/>
-              <a:ext cx="381000" cy="685800"/>
+              <a:off x="1676400" y="2209800"/>
+              <a:ext cx="228600" cy="228600"/>
+            </a:xfrm>
+            <a:prstGeom prst="ellipse">
+              <a:avLst/>
+            </a:prstGeom>
+          </p:spPr>
+          <p:style>
+            <a:lnRef idx="2">
+              <a:schemeClr val="accent1">
+                <a:shade val="50000"/>
+              </a:schemeClr>
+            </a:lnRef>
+            <a:fillRef idx="1">
+              <a:schemeClr val="accent1"/>
+            </a:fillRef>
+            <a:effectRef idx="0">
+              <a:schemeClr val="accent1"/>
+            </a:effectRef>
+            <a:fontRef idx="minor">
+              <a:schemeClr val="lt1"/>
+            </a:fontRef>
+          </p:style>
+          <p:txBody>
+            <a:bodyPr rtlCol="0" anchor="ctr"/>
+            <a:lstStyle/>
+            <a:p>
+              <a:pPr algn="ctr"/>
+              <a:endParaRPr lang="en-US"/>
+            </a:p>
+          </p:txBody>
+        </p:sp>
+        <p:sp>
+          <p:nvSpPr>
+            <p:cNvPr id="21" name="Oval 20"/>
+            <p:cNvSpPr/>
+            <p:nvPr/>
+          </p:nvSpPr>
+          <p:spPr>
+            <a:xfrm>
+              <a:off x="2590800" y="2209800"/>
+              <a:ext cx="228600" cy="228600"/>
+            </a:xfrm>
+            <a:prstGeom prst="ellipse">
+              <a:avLst/>
+            </a:prstGeom>
+          </p:spPr>
+          <p:style>
+            <a:lnRef idx="2">
+              <a:schemeClr val="accent1">
+                <a:shade val="50000"/>
+              </a:schemeClr>
+            </a:lnRef>
+            <a:fillRef idx="1">
+              <a:schemeClr val="accent1"/>
+            </a:fillRef>
+            <a:effectRef idx="0">
+              <a:schemeClr val="accent1"/>
+            </a:effectRef>
+            <a:fontRef idx="minor">
+              <a:schemeClr val="lt1"/>
+            </a:fontRef>
+          </p:style>
+          <p:txBody>
+            <a:bodyPr rtlCol="0" anchor="ctr"/>
+            <a:lstStyle/>
+            <a:p>
+              <a:pPr algn="ctr"/>
+              <a:endParaRPr lang="en-US"/>
+            </a:p>
+          </p:txBody>
+        </p:sp>
+        <p:sp>
+          <p:nvSpPr>
+            <p:cNvPr id="22" name="Pie 21"/>
+            <p:cNvSpPr/>
+            <p:nvPr/>
+          </p:nvSpPr>
+          <p:spPr>
+            <a:xfrm rot="18691338">
+              <a:off x="1356582" y="2369500"/>
+              <a:ext cx="1912001" cy="1696475"/>
+            </a:xfrm>
+            <a:prstGeom prst="pie">
+              <a:avLst>
+                <a:gd name="adj1" fmla="val 2770765"/>
+                <a:gd name="adj2" fmla="val 13628293"/>
+              </a:avLst>
+            </a:prstGeom>
+            <a:solidFill>
+              <a:schemeClr val="bg1"/>
+            </a:solidFill>
+          </p:spPr>
+          <p:style>
+            <a:lnRef idx="2">
+              <a:schemeClr val="accent1">
+                <a:shade val="50000"/>
+              </a:schemeClr>
+            </a:lnRef>
+            <a:fillRef idx="1">
+              <a:schemeClr val="accent1"/>
+            </a:fillRef>
+            <a:effectRef idx="0">
+              <a:schemeClr val="accent1"/>
+            </a:effectRef>
+            <a:fontRef idx="minor">
+              <a:schemeClr val="lt1"/>
+            </a:fontRef>
+          </p:style>
+          <p:txBody>
+            <a:bodyPr rtlCol="0" anchor="ctr"/>
+            <a:lstStyle/>
+            <a:p>
+              <a:pPr algn="ctr"/>
+              <a:endParaRPr lang="en-US">
+                <a:solidFill>
+                  <a:schemeClr val="tx1"/>
+                </a:solidFill>
+              </a:endParaRPr>
+            </a:p>
+          </p:txBody>
+        </p:sp>
+      </p:grpSp>
+    </p:spTree>
+  </p:cSld>
+  <p:clrMapOvr>
+    <a:masterClrMapping/>
+  </p:clrMapOvr>
+</p:sld>
+</file>
+
+<file path=ppt/slides/slide8.xml><?xml version="1.0" encoding="utf-8"?>
+<p:sld xmlns:a="http://schemas.openxmlformats.org/drawingml/2006/main" xmlns:r="http://schemas.openxmlformats.org/officeDocument/2006/relationships" xmlns:p="http://schemas.openxmlformats.org/presentationml/2006/main">
+  <p:cSld>
+    <p:spTree>
+      <p:nvGrpSpPr>
+        <p:cNvPr id="1" name=""/>
+        <p:cNvGrpSpPr/>
+        <p:nvPr/>
+      </p:nvGrpSpPr>
+      <p:grpSpPr>
+        <a:xfrm>
+          <a:off x="0" y="0"/>
+          <a:ext cx="0" cy="0"/>
+          <a:chOff x="0" y="0"/>
+          <a:chExt cx="0" cy="0"/>
+        </a:xfrm>
+      </p:grpSpPr>
+      <p:grpSp>
+        <p:nvGrpSpPr>
+          <p:cNvPr id="8" name="Group 7"/>
+          <p:cNvGrpSpPr/>
+          <p:nvPr/>
+        </p:nvGrpSpPr>
+        <p:grpSpPr>
+          <a:xfrm>
+            <a:off x="533400" y="990600"/>
+            <a:ext cx="3581400" cy="4337210"/>
+            <a:chOff x="533400" y="990600"/>
+            <a:chExt cx="3581400" cy="4337210"/>
+          </a:xfrm>
+        </p:grpSpPr>
+        <p:sp>
+          <p:nvSpPr>
+            <p:cNvPr id="5" name="TextBox 4"/>
+            <p:cNvSpPr txBox="1"/>
+            <p:nvPr/>
+          </p:nvSpPr>
+          <p:spPr>
+            <a:xfrm>
+              <a:off x="533400" y="4572000"/>
+              <a:ext cx="3581400" cy="755810"/>
             </a:xfrm>
             <a:prstGeom prst="rect">
               <a:avLst/>
             </a:prstGeom>
+            <a:noFill/>
+          </p:spPr>
+          <p:txBody>
+            <a:bodyPr wrap="square" lIns="62700" tIns="31350" rIns="62700" bIns="31350" rtlCol="0">
+              <a:spAutoFit/>
+            </a:bodyPr>
+            <a:lstStyle/>
+            <a:p>
+              <a:pPr algn="ctr"/>
+              <a:r>
+                <a:rPr lang="en-US" sz="4500" b="1" dirty="0" smtClean="0"/>
+                <a:t>Execute</a:t>
+              </a:r>
+              <a:endParaRPr lang="en-US" sz="4500" b="1" dirty="0"/>
+            </a:p>
+          </p:txBody>
+        </p:sp>
+        <p:sp>
+          <p:nvSpPr>
+            <p:cNvPr id="6" name="Oval 5"/>
+            <p:cNvSpPr/>
+            <p:nvPr/>
+          </p:nvSpPr>
+          <p:spPr>
+            <a:xfrm>
+              <a:off x="609600" y="990600"/>
+              <a:ext cx="3505200" cy="3505200"/>
+            </a:xfrm>
+            <a:prstGeom prst="ellipse">
+              <a:avLst/>
+            </a:prstGeom>
             <a:solidFill>
-              <a:schemeClr val="accent1">
-                <a:lumMod val="75000"/>
+              <a:srgbClr val="00B050"/>
+            </a:solidFill>
+          </p:spPr>
+          <p:style>
+            <a:lnRef idx="2">
+              <a:schemeClr val="accent3">
+                <a:shade val="50000"/>
               </a:schemeClr>
+            </a:lnRef>
+            <a:fillRef idx="1">
+              <a:schemeClr val="accent3"/>
+            </a:fillRef>
+            <a:effectRef idx="0">
+              <a:schemeClr val="accent3"/>
+            </a:effectRef>
+            <a:fontRef idx="minor">
+              <a:schemeClr val="lt1"/>
+            </a:fontRef>
+          </p:style>
+          <p:txBody>
+            <a:bodyPr rtlCol="0" anchor="ctr"/>
+            <a:lstStyle/>
+            <a:p>
+              <a:pPr algn="ctr"/>
+              <a:endParaRPr lang="en-US"/>
+            </a:p>
+          </p:txBody>
+        </p:sp>
+        <p:sp>
+          <p:nvSpPr>
+            <p:cNvPr id="7" name="Isosceles Triangle 6"/>
+            <p:cNvSpPr/>
+            <p:nvPr/>
+          </p:nvSpPr>
+          <p:spPr>
+            <a:xfrm rot="5400000">
+              <a:off x="1435608" y="1764792"/>
+              <a:ext cx="2386584" cy="2057400"/>
+            </a:xfrm>
+            <a:prstGeom prst="triangle">
+              <a:avLst/>
+            </a:prstGeom>
+            <a:solidFill>
+              <a:schemeClr val="bg1"/>
             </a:solidFill>
           </p:spPr>
           <p:style>
@@ -3856,66 +4505,6 @@
             </a:p>
           </p:txBody>
         </p:sp>
-        <p:cxnSp>
-          <p:nvCxnSpPr>
-            <p:cNvPr id="15" name="Straight Connector 14"/>
-            <p:cNvCxnSpPr/>
-            <p:nvPr/>
-          </p:nvCxnSpPr>
-          <p:spPr>
-            <a:xfrm>
-              <a:off x="1752600" y="1371600"/>
-              <a:ext cx="1219200" cy="0"/>
-            </a:xfrm>
-            <a:prstGeom prst="line">
-              <a:avLst/>
-            </a:prstGeom>
-          </p:spPr>
-          <p:style>
-            <a:lnRef idx="1">
-              <a:schemeClr val="accent1"/>
-            </a:lnRef>
-            <a:fillRef idx="0">
-              <a:schemeClr val="accent1"/>
-            </a:fillRef>
-            <a:effectRef idx="0">
-              <a:schemeClr val="accent1"/>
-            </a:effectRef>
-            <a:fontRef idx="minor">
-              <a:schemeClr val="tx1"/>
-            </a:fontRef>
-          </p:style>
-        </p:cxnSp>
-        <p:cxnSp>
-          <p:nvCxnSpPr>
-            <p:cNvPr id="16" name="Straight Connector 15"/>
-            <p:cNvCxnSpPr/>
-            <p:nvPr/>
-          </p:nvCxnSpPr>
-          <p:spPr>
-            <a:xfrm>
-              <a:off x="1752600" y="1676400"/>
-              <a:ext cx="1219200" cy="0"/>
-            </a:xfrm>
-            <a:prstGeom prst="line">
-              <a:avLst/>
-            </a:prstGeom>
-          </p:spPr>
-          <p:style>
-            <a:lnRef idx="1">
-              <a:schemeClr val="accent1"/>
-            </a:lnRef>
-            <a:fillRef idx="0">
-              <a:schemeClr val="accent1"/>
-            </a:fillRef>
-            <a:effectRef idx="0">
-              <a:schemeClr val="accent1"/>
-            </a:effectRef>
-            <a:fontRef idx="minor">
-              <a:schemeClr val="tx1"/>
-            </a:fontRef>
-          </p:style>
-        </p:cxnSp>
       </p:grpSp>
     </p:spTree>
   </p:cSld>
@@ -3925,7 +4514,7 @@
 </p:sld>
 </file>
 
-<file path=ppt/slides/slide7.xml><?xml version="1.0" encoding="utf-8"?>
+<file path=ppt/slides/slide9.xml><?xml version="1.0" encoding="utf-8"?>
 <p:sld xmlns:a="http://schemas.openxmlformats.org/drawingml/2006/main" xmlns:r="http://schemas.openxmlformats.org/officeDocument/2006/relationships" xmlns:p="http://schemas.openxmlformats.org/presentationml/2006/main">
   <p:cSld>
     <p:spTree>
@@ -3942,267 +4531,140 @@
           <a:chExt cx="0" cy="0"/>
         </a:xfrm>
       </p:grpSpPr>
-      <p:sp>
-        <p:nvSpPr>
-          <p:cNvPr id="5" name="TextBox 4"/>
-          <p:cNvSpPr txBox="1"/>
+      <p:grpSp>
+        <p:nvGrpSpPr>
+          <p:cNvPr id="7" name="Group 6"/>
+          <p:cNvGrpSpPr/>
           <p:nvPr/>
-        </p:nvSpPr>
-        <p:spPr>
+        </p:nvGrpSpPr>
+        <p:grpSpPr>
           <a:xfrm>
-            <a:off x="533400" y="4572000"/>
-            <a:ext cx="3581400" cy="755810"/>
+            <a:off x="533400" y="1219200"/>
+            <a:ext cx="3581400" cy="4108610"/>
+            <a:chOff x="533400" y="1219200"/>
+            <a:chExt cx="3581400" cy="4108610"/>
           </a:xfrm>
-          <a:prstGeom prst="rect">
-            <a:avLst/>
-          </a:prstGeom>
-          <a:noFill/>
-        </p:spPr>
-        <p:txBody>
-          <a:bodyPr wrap="square" lIns="62700" tIns="31350" rIns="62700" bIns="31350" rtlCol="0">
-            <a:spAutoFit/>
-          </a:bodyPr>
-          <a:lstStyle/>
-          <a:p>
-            <a:pPr algn="ctr"/>
-            <a:r>
-              <a:rPr lang="en-US" sz="4500" b="1" dirty="0" smtClean="0"/>
-              <a:t>Execute</a:t>
-            </a:r>
-            <a:endParaRPr lang="en-US" sz="4500" b="1" dirty="0"/>
-          </a:p>
-        </p:txBody>
-      </p:sp>
-      <p:sp>
-        <p:nvSpPr>
-          <p:cNvPr id="6" name="Oval 5"/>
-          <p:cNvSpPr/>
-          <p:nvPr/>
-        </p:nvSpPr>
-        <p:spPr>
-          <a:xfrm>
-            <a:off x="609600" y="990600"/>
-            <a:ext cx="3505200" cy="3505200"/>
-          </a:xfrm>
-          <a:prstGeom prst="ellipse">
-            <a:avLst/>
-          </a:prstGeom>
-          <a:solidFill>
-            <a:srgbClr val="00B050"/>
-          </a:solidFill>
-        </p:spPr>
-        <p:style>
-          <a:lnRef idx="2">
-            <a:schemeClr val="accent3">
-              <a:shade val="50000"/>
-            </a:schemeClr>
-          </a:lnRef>
-          <a:fillRef idx="1">
-            <a:schemeClr val="accent3"/>
-          </a:fillRef>
-          <a:effectRef idx="0">
-            <a:schemeClr val="accent3"/>
-          </a:effectRef>
-          <a:fontRef idx="minor">
-            <a:schemeClr val="lt1"/>
-          </a:fontRef>
-        </p:style>
-        <p:txBody>
-          <a:bodyPr rtlCol="0" anchor="ctr"/>
-          <a:lstStyle/>
-          <a:p>
-            <a:pPr algn="ctr"/>
-            <a:endParaRPr lang="en-US"/>
-          </a:p>
-        </p:txBody>
-      </p:sp>
-      <p:sp>
-        <p:nvSpPr>
-          <p:cNvPr id="7" name="Isosceles Triangle 6"/>
-          <p:cNvSpPr/>
-          <p:nvPr/>
-        </p:nvSpPr>
-        <p:spPr>
-          <a:xfrm rot="5400000">
-            <a:off x="1435608" y="1764792"/>
-            <a:ext cx="2386584" cy="2057400"/>
-          </a:xfrm>
-          <a:prstGeom prst="triangle">
-            <a:avLst/>
-          </a:prstGeom>
-          <a:solidFill>
-            <a:schemeClr val="bg1"/>
-          </a:solidFill>
-        </p:spPr>
-        <p:style>
-          <a:lnRef idx="2">
-            <a:schemeClr val="accent1">
-              <a:shade val="50000"/>
-            </a:schemeClr>
-          </a:lnRef>
-          <a:fillRef idx="1">
-            <a:schemeClr val="accent1"/>
-          </a:fillRef>
-          <a:effectRef idx="0">
-            <a:schemeClr val="accent1"/>
-          </a:effectRef>
-          <a:fontRef idx="minor">
-            <a:schemeClr val="lt1"/>
-          </a:fontRef>
-        </p:style>
-        <p:txBody>
-          <a:bodyPr rtlCol="0" anchor="ctr"/>
-          <a:lstStyle/>
-          <a:p>
-            <a:pPr algn="ctr"/>
-            <a:endParaRPr lang="en-US"/>
-          </a:p>
-        </p:txBody>
-      </p:sp>
-    </p:spTree>
-  </p:cSld>
-  <p:clrMapOvr>
-    <a:masterClrMapping/>
-  </p:clrMapOvr>
-</p:sld>
-</file>
-
-<file path=ppt/slides/slide8.xml><?xml version="1.0" encoding="utf-8"?>
-<p:sld xmlns:a="http://schemas.openxmlformats.org/drawingml/2006/main" xmlns:r="http://schemas.openxmlformats.org/officeDocument/2006/relationships" xmlns:p="http://schemas.openxmlformats.org/presentationml/2006/main">
-  <p:cSld>
-    <p:spTree>
-      <p:nvGrpSpPr>
-        <p:cNvPr id="1" name=""/>
-        <p:cNvGrpSpPr/>
-        <p:nvPr/>
-      </p:nvGrpSpPr>
-      <p:grpSpPr>
-        <a:xfrm>
-          <a:off x="0" y="0"/>
-          <a:ext cx="0" cy="0"/>
-          <a:chOff x="0" y="0"/>
-          <a:chExt cx="0" cy="0"/>
-        </a:xfrm>
-      </p:grpSpPr>
-      <p:sp>
-        <p:nvSpPr>
-          <p:cNvPr id="5" name="TextBox 4"/>
-          <p:cNvSpPr txBox="1"/>
-          <p:nvPr/>
-        </p:nvSpPr>
-        <p:spPr>
-          <a:xfrm>
-            <a:off x="533400" y="4572000"/>
-            <a:ext cx="3581400" cy="755810"/>
-          </a:xfrm>
-          <a:prstGeom prst="rect">
-            <a:avLst/>
-          </a:prstGeom>
-          <a:noFill/>
-        </p:spPr>
-        <p:txBody>
-          <a:bodyPr wrap="square" lIns="62700" tIns="31350" rIns="62700" bIns="31350" rtlCol="0">
-            <a:spAutoFit/>
-          </a:bodyPr>
-          <a:lstStyle/>
-          <a:p>
-            <a:pPr algn="ctr"/>
-            <a:r>
-              <a:rPr lang="en-US" sz="4500" b="1" dirty="0" smtClean="0"/>
-              <a:t>Abort</a:t>
-            </a:r>
-            <a:endParaRPr lang="en-US" sz="4500" b="1" dirty="0"/>
-          </a:p>
-        </p:txBody>
-      </p:sp>
-      <p:sp>
-        <p:nvSpPr>
-          <p:cNvPr id="6" name="Oval 5"/>
-          <p:cNvSpPr/>
-          <p:nvPr/>
-        </p:nvSpPr>
-        <p:spPr>
-          <a:xfrm>
-            <a:off x="914400" y="1219200"/>
-            <a:ext cx="2743200" cy="2743200"/>
-          </a:xfrm>
-          <a:prstGeom prst="ellipse">
-            <a:avLst/>
-          </a:prstGeom>
-          <a:solidFill>
-            <a:schemeClr val="accent2"/>
-          </a:solidFill>
-        </p:spPr>
-        <p:style>
-          <a:lnRef idx="2">
-            <a:schemeClr val="accent1">
-              <a:shade val="50000"/>
-            </a:schemeClr>
-          </a:lnRef>
-          <a:fillRef idx="1">
-            <a:schemeClr val="accent1"/>
-          </a:fillRef>
-          <a:effectRef idx="0">
-            <a:schemeClr val="accent1"/>
-          </a:effectRef>
-          <a:fontRef idx="minor">
-            <a:schemeClr val="lt1"/>
-          </a:fontRef>
-        </p:style>
-        <p:txBody>
-          <a:bodyPr rtlCol="0" anchor="ctr"/>
-          <a:lstStyle/>
-          <a:p>
-            <a:pPr algn="ctr"/>
-            <a:endParaRPr lang="en-US"/>
-          </a:p>
-        </p:txBody>
-      </p:sp>
-      <p:sp>
-        <p:nvSpPr>
-          <p:cNvPr id="8" name="Cross 7"/>
-          <p:cNvSpPr/>
-          <p:nvPr/>
-        </p:nvSpPr>
-        <p:spPr>
-          <a:xfrm rot="2700000">
-            <a:off x="1439116" y="1743916"/>
-            <a:ext cx="1693768" cy="1693768"/>
-          </a:xfrm>
-          <a:prstGeom prst="plus">
-            <a:avLst>
-              <a:gd name="adj" fmla="val 33652"/>
-            </a:avLst>
-          </a:prstGeom>
-          <a:solidFill>
-            <a:schemeClr val="bg1"/>
-          </a:solidFill>
-        </p:spPr>
-        <p:style>
-          <a:lnRef idx="2">
-            <a:schemeClr val="accent1">
-              <a:shade val="50000"/>
-            </a:schemeClr>
-          </a:lnRef>
-          <a:fillRef idx="1">
-            <a:schemeClr val="accent1"/>
-          </a:fillRef>
-          <a:effectRef idx="0">
-            <a:schemeClr val="accent1"/>
-          </a:effectRef>
-          <a:fontRef idx="minor">
-            <a:schemeClr val="lt1"/>
-          </a:fontRef>
-        </p:style>
-        <p:txBody>
-          <a:bodyPr rtlCol="0" anchor="ctr"/>
-          <a:lstStyle/>
-          <a:p>
-            <a:pPr algn="ctr"/>
-            <a:endParaRPr lang="en-US"/>
-          </a:p>
-        </p:txBody>
-      </p:sp>
+        </p:grpSpPr>
+        <p:sp>
+          <p:nvSpPr>
+            <p:cNvPr id="5" name="TextBox 4"/>
+            <p:cNvSpPr txBox="1"/>
+            <p:nvPr/>
+          </p:nvSpPr>
+          <p:spPr>
+            <a:xfrm>
+              <a:off x="533400" y="4572000"/>
+              <a:ext cx="3581400" cy="755810"/>
+            </a:xfrm>
+            <a:prstGeom prst="rect">
+              <a:avLst/>
+            </a:prstGeom>
+            <a:noFill/>
+          </p:spPr>
+          <p:txBody>
+            <a:bodyPr wrap="square" lIns="62700" tIns="31350" rIns="62700" bIns="31350" rtlCol="0">
+              <a:spAutoFit/>
+            </a:bodyPr>
+            <a:lstStyle/>
+            <a:p>
+              <a:pPr algn="ctr"/>
+              <a:r>
+                <a:rPr lang="en-US" sz="4500" b="1" dirty="0" smtClean="0"/>
+                <a:t>Abort</a:t>
+              </a:r>
+              <a:endParaRPr lang="en-US" sz="4500" b="1" dirty="0"/>
+            </a:p>
+          </p:txBody>
+        </p:sp>
+        <p:sp>
+          <p:nvSpPr>
+            <p:cNvPr id="6" name="Oval 5"/>
+            <p:cNvSpPr/>
+            <p:nvPr/>
+          </p:nvSpPr>
+          <p:spPr>
+            <a:xfrm>
+              <a:off x="914400" y="1219200"/>
+              <a:ext cx="2743200" cy="2743200"/>
+            </a:xfrm>
+            <a:prstGeom prst="ellipse">
+              <a:avLst/>
+            </a:prstGeom>
+            <a:solidFill>
+              <a:schemeClr val="accent2"/>
+            </a:solidFill>
+          </p:spPr>
+          <p:style>
+            <a:lnRef idx="2">
+              <a:schemeClr val="accent1">
+                <a:shade val="50000"/>
+              </a:schemeClr>
+            </a:lnRef>
+            <a:fillRef idx="1">
+              <a:schemeClr val="accent1"/>
+            </a:fillRef>
+            <a:effectRef idx="0">
+              <a:schemeClr val="accent1"/>
+            </a:effectRef>
+            <a:fontRef idx="minor">
+              <a:schemeClr val="lt1"/>
+            </a:fontRef>
+          </p:style>
+          <p:txBody>
+            <a:bodyPr rtlCol="0" anchor="ctr"/>
+            <a:lstStyle/>
+            <a:p>
+              <a:pPr algn="ctr"/>
+              <a:endParaRPr lang="en-US"/>
+            </a:p>
+          </p:txBody>
+        </p:sp>
+        <p:sp>
+          <p:nvSpPr>
+            <p:cNvPr id="8" name="Cross 7"/>
+            <p:cNvSpPr/>
+            <p:nvPr/>
+          </p:nvSpPr>
+          <p:spPr>
+            <a:xfrm rot="2700000">
+              <a:off x="1439116" y="1743916"/>
+              <a:ext cx="1693768" cy="1693768"/>
+            </a:xfrm>
+            <a:prstGeom prst="plus">
+              <a:avLst>
+                <a:gd name="adj" fmla="val 33652"/>
+              </a:avLst>
+            </a:prstGeom>
+            <a:solidFill>
+              <a:schemeClr val="bg1"/>
+            </a:solidFill>
+          </p:spPr>
+          <p:style>
+            <a:lnRef idx="2">
+              <a:schemeClr val="accent1">
+                <a:shade val="50000"/>
+              </a:schemeClr>
+            </a:lnRef>
+            <a:fillRef idx="1">
+              <a:schemeClr val="accent1"/>
+            </a:fillRef>
+            <a:effectRef idx="0">
+              <a:schemeClr val="accent1"/>
+            </a:effectRef>
+            <a:fontRef idx="minor">
+              <a:schemeClr val="lt1"/>
+            </a:fontRef>
+          </p:style>
+          <p:txBody>
+            <a:bodyPr rtlCol="0" anchor="ctr"/>
+            <a:lstStyle/>
+            <a:p>
+              <a:pPr algn="ctr"/>
+              <a:endParaRPr lang="en-US"/>
+            </a:p>
+          </p:txBody>
+        </p:sp>
+      </p:grpSp>
     </p:spTree>
   </p:cSld>
   <p:clrMapOvr>
